--- a/prednasky/02/2_Uvod_do_Pythonu.pptx
+++ b/prednasky/02/2_Uvod_do_Pythonu.pptx
@@ -221,7 +221,7 @@
           <a:p>
             <a:fld id="{21865E2F-29E8-4495-A6BA-69A593AAF28F}" type="datetimeFigureOut">
               <a:rPr lang="sk-SK" smtClean="0"/>
-              <a:t>12. 9. 2019</a:t>
+              <a:t>2. 10. 2019</a:t>
             </a:fld>
             <a:endParaRPr lang="sk-SK"/>
           </a:p>
@@ -620,7 +620,7 @@
           <a:p>
             <a:fld id="{AE40A83B-24CB-4FF7-9262-5C909CA95ED4}" type="datetimeFigureOut">
               <a:rPr lang="sk-SK" smtClean="0"/>
-              <a:t>12. 9. 2019</a:t>
+              <a:t>2. 10. 2019</a:t>
             </a:fld>
             <a:endParaRPr lang="sk-SK"/>
           </a:p>
@@ -838,7 +838,7 @@
           <a:p>
             <a:fld id="{AE40A83B-24CB-4FF7-9262-5C909CA95ED4}" type="datetimeFigureOut">
               <a:rPr lang="sk-SK" smtClean="0"/>
-              <a:t>12. 9. 2019</a:t>
+              <a:t>2. 10. 2019</a:t>
             </a:fld>
             <a:endParaRPr lang="sk-SK"/>
           </a:p>
@@ -1066,7 +1066,7 @@
           <a:p>
             <a:fld id="{AE40A83B-24CB-4FF7-9262-5C909CA95ED4}" type="datetimeFigureOut">
               <a:rPr lang="sk-SK" smtClean="0"/>
-              <a:t>12. 9. 2019</a:t>
+              <a:t>2. 10. 2019</a:t>
             </a:fld>
             <a:endParaRPr lang="sk-SK"/>
           </a:p>
@@ -1284,7 +1284,7 @@
           <a:p>
             <a:fld id="{AE40A83B-24CB-4FF7-9262-5C909CA95ED4}" type="datetimeFigureOut">
               <a:rPr lang="sk-SK" smtClean="0"/>
-              <a:t>12. 9. 2019</a:t>
+              <a:t>2. 10. 2019</a:t>
             </a:fld>
             <a:endParaRPr lang="sk-SK"/>
           </a:p>
@@ -1528,7 +1528,7 @@
           <a:p>
             <a:fld id="{AE40A83B-24CB-4FF7-9262-5C909CA95ED4}" type="datetimeFigureOut">
               <a:rPr lang="sk-SK" smtClean="0"/>
-              <a:t>12. 9. 2019</a:t>
+              <a:t>2. 10. 2019</a:t>
             </a:fld>
             <a:endParaRPr lang="sk-SK"/>
           </a:p>
@@ -1760,7 +1760,7 @@
           <a:p>
             <a:fld id="{AE40A83B-24CB-4FF7-9262-5C909CA95ED4}" type="datetimeFigureOut">
               <a:rPr lang="sk-SK" smtClean="0"/>
-              <a:t>12. 9. 2019</a:t>
+              <a:t>2. 10. 2019</a:t>
             </a:fld>
             <a:endParaRPr lang="sk-SK"/>
           </a:p>
@@ -2127,7 +2127,7 @@
           <a:p>
             <a:fld id="{AE40A83B-24CB-4FF7-9262-5C909CA95ED4}" type="datetimeFigureOut">
               <a:rPr lang="sk-SK" smtClean="0"/>
-              <a:t>12. 9. 2019</a:t>
+              <a:t>2. 10. 2019</a:t>
             </a:fld>
             <a:endParaRPr lang="sk-SK"/>
           </a:p>
@@ -2245,7 +2245,7 @@
           <a:p>
             <a:fld id="{AE40A83B-24CB-4FF7-9262-5C909CA95ED4}" type="datetimeFigureOut">
               <a:rPr lang="sk-SK" smtClean="0"/>
-              <a:t>12. 9. 2019</a:t>
+              <a:t>2. 10. 2019</a:t>
             </a:fld>
             <a:endParaRPr lang="sk-SK"/>
           </a:p>
@@ -2340,7 +2340,7 @@
           <a:p>
             <a:fld id="{AE40A83B-24CB-4FF7-9262-5C909CA95ED4}" type="datetimeFigureOut">
               <a:rPr lang="sk-SK" smtClean="0"/>
-              <a:t>12. 9. 2019</a:t>
+              <a:t>2. 10. 2019</a:t>
             </a:fld>
             <a:endParaRPr lang="sk-SK"/>
           </a:p>
@@ -2665,7 +2665,7 @@
           <a:p>
             <a:fld id="{AE40A83B-24CB-4FF7-9262-5C909CA95ED4}" type="datetimeFigureOut">
               <a:rPr lang="sk-SK" smtClean="0"/>
-              <a:t>12. 9. 2019</a:t>
+              <a:t>2. 10. 2019</a:t>
             </a:fld>
             <a:endParaRPr lang="sk-SK"/>
           </a:p>
@@ -2970,7 +2970,7 @@
           <a:p>
             <a:fld id="{AE40A83B-24CB-4FF7-9262-5C909CA95ED4}" type="datetimeFigureOut">
               <a:rPr lang="sk-SK" smtClean="0"/>
-              <a:t>12. 9. 2019</a:t>
+              <a:t>2. 10. 2019</a:t>
             </a:fld>
             <a:endParaRPr lang="sk-SK"/>
           </a:p>
@@ -3231,7 +3231,7 @@
           <a:p>
             <a:fld id="{AE40A83B-24CB-4FF7-9262-5C909CA95ED4}" type="datetimeFigureOut">
               <a:rPr lang="sk-SK" smtClean="0"/>
-              <a:t>12. 9. 2019</a:t>
+              <a:t>2. 10. 2019</a:t>
             </a:fld>
             <a:endParaRPr lang="sk-SK"/>
           </a:p>
@@ -4262,15 +4262,7 @@
           <a:p>
             <a:r>
               <a:rPr lang="sk-SK" dirty="0" smtClean="0"/>
-              <a:t>Vyhodnocuje sa </a:t>
-            </a:r>
-            <a:r>
-              <a:rPr lang="sk-SK" dirty="0" smtClean="0"/>
-              <a:t>sprava </a:t>
-            </a:r>
-            <a:r>
-              <a:rPr lang="sk-SK" dirty="0" smtClean="0"/>
-              <a:t>doľava</a:t>
+              <a:t>Vyhodnocuje sa sprava doľava</a:t>
             </a:r>
           </a:p>
           <a:p>
@@ -5324,15 +5316,7 @@
             </a:r>
             <a:r>
               <a:rPr lang="sk-SK" dirty="0" smtClean="0"/>
-              <a:t> je to </a:t>
-            </a:r>
-            <a:r>
-              <a:rPr lang="sk-SK" dirty="0" smtClean="0"/>
-              <a:t>isté </a:t>
-            </a:r>
-            <a:r>
-              <a:rPr lang="sk-SK" dirty="0" smtClean="0"/>
-              <a:t>ako v C</a:t>
+              <a:t> je to isté ako v C</a:t>
             </a:r>
           </a:p>
           <a:p>
@@ -5679,6 +5663,52 @@
               <a:latin typeface="Courier New" panose="02070309020205020404" pitchFamily="49" charset="0"/>
               <a:cs typeface="Courier New" panose="02070309020205020404" pitchFamily="49" charset="0"/>
             </a:endParaRPr>
+          </a:p>
+        </p:txBody>
+      </p:sp>
+      <p:sp>
+        <p:nvSpPr>
+          <p:cNvPr id="4" name="TextBox 3"/>
+          <p:cNvSpPr txBox="1"/>
+          <p:nvPr/>
+        </p:nvSpPr>
+        <p:spPr>
+          <a:xfrm>
+            <a:off x="905933" y="5528733"/>
+            <a:ext cx="6698244" cy="369332"/>
+          </a:xfrm>
+          <a:prstGeom prst="rect">
+            <a:avLst/>
+          </a:prstGeom>
+          <a:noFill/>
+        </p:spPr>
+        <p:txBody>
+          <a:bodyPr wrap="none" rtlCol="0">
+            <a:spAutoFit/>
+          </a:bodyPr>
+          <a:lstStyle/>
+          <a:p>
+            <a:r>
+              <a:rPr lang="en-US" dirty="0" err="1" smtClean="0"/>
+              <a:t>Vykon</a:t>
+            </a:r>
+            <a:r>
+              <a:rPr lang="sk-SK" dirty="0" err="1" smtClean="0"/>
+              <a:t>ávanie</a:t>
+            </a:r>
+            <a:r>
+              <a:rPr lang="sk-SK" dirty="0" smtClean="0"/>
+              <a:t> prejde do </a:t>
+            </a:r>
+            <a:r>
+              <a:rPr lang="sk-SK" dirty="0" err="1" smtClean="0"/>
+              <a:t>else</a:t>
+            </a:r>
+            <a:r>
+              <a:rPr lang="sk-SK" dirty="0" smtClean="0"/>
+              <a:t> v prípade ak sa cyklus predčasne neukončí</a:t>
+            </a:r>
+            <a:endParaRPr lang="en-GB" dirty="0"/>
           </a:p>
         </p:txBody>
       </p:sp>
@@ -8839,11 +8869,7 @@
           <a:p>
             <a:r>
               <a:rPr lang="sk-SK" dirty="0" smtClean="0"/>
-              <a:t>Umožňuje </a:t>
-            </a:r>
-            <a:r>
-              <a:rPr lang="sk-SK" dirty="0" smtClean="0"/>
-              <a:t>elegantný zápis a efektívne vykonávanie</a:t>
+              <a:t>Umožňuje elegantný zápis a efektívne vykonávanie</a:t>
             </a:r>
           </a:p>
           <a:p>
@@ -10296,13 +10322,8 @@
             </a:r>
             <a:r>
               <a:rPr lang="sk-SK" dirty="0" smtClean="0"/>
-              <a:t> na pomenovanie </a:t>
-            </a:r>
-            <a:r>
-              <a:rPr lang="sk-SK" dirty="0" smtClean="0"/>
-              <a:t>funkcií</a:t>
-            </a:r>
-            <a:endParaRPr lang="sk-SK" dirty="0" smtClean="0"/>
+              <a:t> na pomenovanie funkcií</a:t>
+            </a:r>
           </a:p>
           <a:p>
             <a:pPr lvl="1"/>
